--- a/spring12/slidesS12/recursive-functions.pptx
+++ b/spring12/slidesS12/recursive-functions.pptx
@@ -2778,12 +2778,12 @@
               <a:defRPr/>
             </a:pPr>
             <a:r>
-              <a:rPr lang="en-US" dirty="0" err="1" smtClean="0"/>
-              <a:t>lec</a:t>
-            </a:r>
-            <a:r>
               <a:rPr lang="en-US" dirty="0" smtClean="0"/>
-              <a:t> 5M.</a:t>
+              <a:t>lec </a:t>
+            </a:r>
+            <a:r>
+              <a:rPr lang="en-US" dirty="0" smtClean="0"/>
+              <a:t>4W.</a:t>
             </a:r>
             <a:fld id="{2C84FE54-9186-40A1-B2A6-72C42D6F8BE5}" type="slidenum">
               <a:rPr lang="en-US" smtClean="0"/>
@@ -2939,12 +2939,12 @@
               <a:defRPr/>
             </a:pPr>
             <a:r>
-              <a:rPr lang="en-US" dirty="0" err="1" smtClean="0"/>
-              <a:t>lec</a:t>
-            </a:r>
-            <a:r>
               <a:rPr lang="en-US" dirty="0" smtClean="0"/>
-              <a:t> 5M.</a:t>
+              <a:t>lec </a:t>
+            </a:r>
+            <a:r>
+              <a:rPr lang="en-US" dirty="0" smtClean="0"/>
+              <a:t>4W.</a:t>
             </a:r>
             <a:fld id="{2C84FE54-9186-40A1-B2A6-72C42D6F8BE5}" type="slidenum">
               <a:rPr lang="en-US" smtClean="0"/>
@@ -3122,12 +3122,12 @@
               <a:defRPr/>
             </a:pPr>
             <a:r>
-              <a:rPr lang="en-US" dirty="0" err="1" smtClean="0"/>
-              <a:t>lec</a:t>
-            </a:r>
-            <a:r>
               <a:rPr lang="en-US" dirty="0" smtClean="0"/>
-              <a:t> 5M.</a:t>
+              <a:t>lec </a:t>
+            </a:r>
+            <a:r>
+              <a:rPr lang="en-US" dirty="0" smtClean="0"/>
+              <a:t>4W.</a:t>
             </a:r>
             <a:fld id="{2C84FE54-9186-40A1-B2A6-72C42D6F8BE5}" type="slidenum">
               <a:rPr lang="en-US" smtClean="0"/>
@@ -3231,12 +3231,12 @@
               <a:defRPr/>
             </a:pPr>
             <a:r>
-              <a:rPr lang="en-US" dirty="0" err="1" smtClean="0"/>
-              <a:t>lec</a:t>
-            </a:r>
-            <a:r>
               <a:rPr lang="en-US" dirty="0" smtClean="0"/>
-              <a:t> 5M.</a:t>
+              <a:t>lec </a:t>
+            </a:r>
+            <a:r>
+              <a:rPr lang="en-US" dirty="0" smtClean="0"/>
+              <a:t>4W.</a:t>
             </a:r>
             <a:fld id="{2C84FE54-9186-40A1-B2A6-72C42D6F8BE5}" type="slidenum">
               <a:rPr lang="en-US" smtClean="0"/>
@@ -3317,12 +3317,12 @@
               <a:defRPr/>
             </a:pPr>
             <a:r>
-              <a:rPr lang="en-US" dirty="0" err="1" smtClean="0"/>
-              <a:t>lec</a:t>
-            </a:r>
-            <a:r>
               <a:rPr lang="en-US" dirty="0" smtClean="0"/>
-              <a:t> 5M.</a:t>
+              <a:t>lec </a:t>
+            </a:r>
+            <a:r>
+              <a:rPr lang="en-US" dirty="0" smtClean="0"/>
+              <a:t>4W.</a:t>
             </a:r>
             <a:fld id="{2C84FE54-9186-40A1-B2A6-72C42D6F8BE5}" type="slidenum">
               <a:rPr lang="en-US" smtClean="0"/>
@@ -4269,12 +4269,12 @@
           <a:lstStyle/>
           <a:p>
             <a:r>
-              <a:rPr lang="en-US" dirty="0" err="1" smtClean="0"/>
-              <a:t>lec</a:t>
-            </a:r>
-            <a:r>
               <a:rPr lang="en-US" dirty="0" smtClean="0"/>
-              <a:t> 5M.</a:t>
+              <a:t>lec </a:t>
+            </a:r>
+            <a:r>
+              <a:rPr lang="en-US" dirty="0" smtClean="0"/>
+              <a:t>4W.</a:t>
             </a:r>
             <a:fld id="{882D82BC-455A-46A4-B2BB-34843D25408C}" type="slidenum">
               <a:rPr lang="en-US" smtClean="0"/>
@@ -5493,12 +5493,12 @@
           <a:lstStyle/>
           <a:p>
             <a:r>
-              <a:rPr lang="en-US" dirty="0" err="1" smtClean="0"/>
-              <a:t>lec</a:t>
-            </a:r>
-            <a:r>
               <a:rPr lang="en-US" dirty="0" smtClean="0"/>
-              <a:t> 5M.</a:t>
+              <a:t>lec </a:t>
+            </a:r>
+            <a:r>
+              <a:rPr lang="en-US" dirty="0" smtClean="0"/>
+              <a:t>4W.</a:t>
             </a:r>
             <a:fld id="{A4AC7DF5-7AF0-41A2-94AE-19E802825938}" type="slidenum">
               <a:rPr lang="en-US" smtClean="0"/>
@@ -5875,12 +5875,12 @@
           <a:lstStyle/>
           <a:p>
             <a:r>
-              <a:rPr lang="en-US" dirty="0" err="1" smtClean="0"/>
-              <a:t>lec</a:t>
-            </a:r>
-            <a:r>
               <a:rPr lang="en-US" dirty="0" smtClean="0"/>
-              <a:t> 5M.</a:t>
+              <a:t>lec </a:t>
+            </a:r>
+            <a:r>
+              <a:rPr lang="en-US" dirty="0" smtClean="0"/>
+              <a:t>4W.</a:t>
             </a:r>
             <a:fld id="{D747DC21-DD6C-4C9E-880E-0C721ABF6EB1}" type="slidenum">
               <a:rPr lang="en-US" smtClean="0"/>
@@ -7789,12 +7789,12 @@
           <a:lstStyle/>
           <a:p>
             <a:r>
-              <a:rPr lang="en-US" dirty="0" err="1" smtClean="0"/>
-              <a:t>lec</a:t>
-            </a:r>
-            <a:r>
               <a:rPr lang="en-US" dirty="0" smtClean="0"/>
-              <a:t> 5M.</a:t>
+              <a:t>lec </a:t>
+            </a:r>
+            <a:r>
+              <a:rPr lang="en-US" dirty="0" smtClean="0"/>
+              <a:t>4W.</a:t>
             </a:r>
             <a:fld id="{A4AC7DF5-7AF0-41A2-94AE-19E802825938}" type="slidenum">
               <a:rPr lang="en-US" smtClean="0"/>
@@ -9395,12 +9395,12 @@
           <a:lstStyle/>
           <a:p>
             <a:r>
-              <a:rPr lang="en-US" dirty="0" err="1" smtClean="0"/>
-              <a:t>lec</a:t>
-            </a:r>
-            <a:r>
               <a:rPr lang="en-US" dirty="0" smtClean="0"/>
-              <a:t> 5M.</a:t>
+              <a:t>lec </a:t>
+            </a:r>
+            <a:r>
+              <a:rPr lang="en-US" dirty="0" smtClean="0"/>
+              <a:t>4W.</a:t>
             </a:r>
             <a:fld id="{A4AC7DF5-7AF0-41A2-94AE-19E802825938}" type="slidenum">
               <a:rPr lang="en-US" smtClean="0"/>
@@ -11051,12 +11051,12 @@
           <a:lstStyle/>
           <a:p>
             <a:r>
-              <a:rPr lang="en-US" dirty="0" err="1" smtClean="0"/>
-              <a:t>lec</a:t>
-            </a:r>
-            <a:r>
               <a:rPr lang="en-US" dirty="0" smtClean="0"/>
-              <a:t> 5M.</a:t>
+              <a:t>lec </a:t>
+            </a:r>
+            <a:r>
+              <a:rPr lang="en-US" dirty="0" smtClean="0"/>
+              <a:t>4W.</a:t>
             </a:r>
             <a:fld id="{A4AC7DF5-7AF0-41A2-94AE-19E802825938}" type="slidenum">
               <a:rPr lang="en-US" smtClean="0"/>
@@ -12757,12 +12757,12 @@
           <a:lstStyle/>
           <a:p>
             <a:r>
-              <a:rPr lang="en-US" dirty="0" err="1" smtClean="0"/>
-              <a:t>lec</a:t>
-            </a:r>
-            <a:r>
               <a:rPr lang="en-US" dirty="0" smtClean="0"/>
-              <a:t> 5M.</a:t>
+              <a:t>lec </a:t>
+            </a:r>
+            <a:r>
+              <a:rPr lang="en-US" dirty="0" smtClean="0"/>
+              <a:t>4W.</a:t>
             </a:r>
             <a:fld id="{A4AC7DF5-7AF0-41A2-94AE-19E802825938}" type="slidenum">
               <a:rPr lang="en-US" smtClean="0"/>
@@ -12837,12 +12837,12 @@
           <a:lstStyle/>
           <a:p>
             <a:r>
-              <a:rPr lang="en-US" dirty="0" err="1" smtClean="0"/>
-              <a:t>lec</a:t>
-            </a:r>
-            <a:r>
               <a:rPr lang="en-US" dirty="0" smtClean="0"/>
-              <a:t> 5M.</a:t>
+              <a:t>lec </a:t>
+            </a:r>
+            <a:r>
+              <a:rPr lang="en-US" dirty="0" smtClean="0"/>
+              <a:t>4W.</a:t>
             </a:r>
             <a:fld id="{6CD26AEE-0E32-4926-A5A9-661FC0FA76F2}" type="slidenum">
               <a:rPr lang="en-US" smtClean="0"/>
@@ -14741,12 +14741,12 @@
           <a:lstStyle/>
           <a:p>
             <a:r>
-              <a:rPr lang="en-US" dirty="0" err="1" smtClean="0"/>
-              <a:t>lec</a:t>
-            </a:r>
-            <a:r>
               <a:rPr lang="en-US" dirty="0" smtClean="0"/>
-              <a:t> 5M.</a:t>
+              <a:t>lec </a:t>
+            </a:r>
+            <a:r>
+              <a:rPr lang="en-US" dirty="0" smtClean="0"/>
+              <a:t>4W.</a:t>
             </a:r>
             <a:fld id="{A4AC7DF5-7AF0-41A2-94AE-19E802825938}" type="slidenum">
               <a:rPr lang="en-US" smtClean="0"/>
@@ -16347,12 +16347,12 @@
           <a:lstStyle/>
           <a:p>
             <a:r>
-              <a:rPr lang="en-US" dirty="0" err="1" smtClean="0"/>
-              <a:t>lec</a:t>
-            </a:r>
-            <a:r>
               <a:rPr lang="en-US" dirty="0" smtClean="0"/>
-              <a:t> 5M.</a:t>
+              <a:t>lec </a:t>
+            </a:r>
+            <a:r>
+              <a:rPr lang="en-US" dirty="0" smtClean="0"/>
+              <a:t>4W.</a:t>
             </a:r>
             <a:fld id="{A4AC7DF5-7AF0-41A2-94AE-19E802825938}" type="slidenum">
               <a:rPr lang="en-US" smtClean="0"/>
@@ -18003,12 +18003,12 @@
           <a:lstStyle/>
           <a:p>
             <a:r>
-              <a:rPr lang="en-US" dirty="0" err="1" smtClean="0"/>
-              <a:t>lec</a:t>
-            </a:r>
-            <a:r>
               <a:rPr lang="en-US" dirty="0" smtClean="0"/>
-              <a:t> 5M.</a:t>
+              <a:t>lec </a:t>
+            </a:r>
+            <a:r>
+              <a:rPr lang="en-US" dirty="0" smtClean="0"/>
+              <a:t>4W.</a:t>
             </a:r>
             <a:fld id="{A4AC7DF5-7AF0-41A2-94AE-19E802825938}" type="slidenum">
               <a:rPr lang="en-US" smtClean="0"/>
@@ -18076,7 +18076,6 @@
               <a:rPr lang="en-US" sz="4400" dirty="0" smtClean="0"/>
               <a:t>Recursive Function</a:t>
             </a:r>
-            <a:endParaRPr lang="en-US" sz="4400" dirty="0" smtClean="0"/>
           </a:p>
         </p:txBody>
       </p:sp>
@@ -18112,7 +18111,7 @@
           <a:p>
             <a:r>
               <a:rPr lang="en-US" dirty="0" smtClean="0"/>
-              <a:t>7W.</a:t>
+              <a:t>4W.</a:t>
             </a:r>
             <a:fld id="{08969C51-7BCB-4669-B22B-E2DC6920BE01}" type="slidenum">
               <a:rPr lang="en-US" smtClean="0"/>
@@ -18175,9 +18174,6 @@
               </a:rPr>
               <a:t>, on a</a:t>
             </a:r>
-            <a:endParaRPr lang="en-US" sz="4400" dirty="0" smtClean="0">
-              <a:latin typeface="Comic Sans MS" pitchFamily="66" charset="0"/>
-            </a:endParaRPr>
           </a:p>
           <a:p>
             <a:pPr>
@@ -18208,13 +18204,7 @@
               <a:rPr lang="en-US" sz="4400" dirty="0" smtClean="0">
                 <a:latin typeface="Comic Sans MS" pitchFamily="66" charset="0"/>
               </a:rPr>
-              <a:t>, </a:t>
-            </a:r>
-            <a:r>
-              <a:rPr lang="en-US" sz="4400" dirty="0" smtClean="0">
-                <a:latin typeface="Comic Sans MS" pitchFamily="66" charset="0"/>
-              </a:rPr>
-              <a:t>define</a:t>
+              <a:t>, define</a:t>
             </a:r>
             <a:endParaRPr lang="en-US" sz="4400" dirty="0">
               <a:latin typeface="Comic Sans MS" pitchFamily="66" charset="0"/>
@@ -20242,12 +20232,12 @@
           <a:lstStyle/>
           <a:p>
             <a:r>
-              <a:rPr lang="en-US" dirty="0" err="1" smtClean="0"/>
-              <a:t>lec</a:t>
-            </a:r>
-            <a:r>
               <a:rPr lang="en-US" dirty="0" smtClean="0"/>
-              <a:t> 5M.</a:t>
+              <a:t>lec </a:t>
+            </a:r>
+            <a:r>
+              <a:rPr lang="en-US" dirty="0" smtClean="0"/>
+              <a:t>4W.</a:t>
             </a:r>
             <a:fld id="{A4AC7DF5-7AF0-41A2-94AE-19E802825938}" type="slidenum">
               <a:rPr lang="en-US" smtClean="0"/>
@@ -20322,12 +20312,12 @@
           <a:lstStyle/>
           <a:p>
             <a:r>
-              <a:rPr lang="en-US" dirty="0" err="1" smtClean="0"/>
-              <a:t>lec</a:t>
-            </a:r>
-            <a:r>
               <a:rPr lang="en-US" dirty="0" smtClean="0"/>
-              <a:t> 5M.</a:t>
+              <a:t>lec </a:t>
+            </a:r>
+            <a:r>
+              <a:rPr lang="en-US" dirty="0" smtClean="0"/>
+              <a:t>4W.</a:t>
             </a:r>
             <a:fld id="{1FF2CE9F-95BC-441B-9BF8-65FCDDEAAF9E}" type="slidenum">
               <a:rPr lang="en-US" smtClean="0"/>
@@ -20896,12 +20886,12 @@
           <a:lstStyle/>
           <a:p>
             <a:r>
-              <a:rPr lang="en-US" dirty="0" err="1" smtClean="0"/>
-              <a:t>lec</a:t>
-            </a:r>
-            <a:r>
               <a:rPr lang="en-US" dirty="0" smtClean="0"/>
-              <a:t> 5M.</a:t>
+              <a:t>lec </a:t>
+            </a:r>
+            <a:r>
+              <a:rPr lang="en-US" dirty="0" smtClean="0"/>
+              <a:t>4W.</a:t>
             </a:r>
             <a:fld id="{ACEA44F3-0AAF-46F8-BADD-99322BE333C9}" type="slidenum">
               <a:rPr lang="en-US" smtClean="0"/>
@@ -21501,12 +21491,12 @@
           <a:lstStyle/>
           <a:p>
             <a:r>
-              <a:rPr lang="en-US" sz="1100" dirty="0" err="1" smtClean="0"/>
-              <a:t>lec</a:t>
-            </a:r>
-            <a:r>
               <a:rPr lang="en-US" sz="1100" dirty="0" smtClean="0"/>
-              <a:t> 5M.</a:t>
+              <a:t>lec </a:t>
+            </a:r>
+            <a:r>
+              <a:rPr lang="en-US" sz="1100" dirty="0" smtClean="0"/>
+              <a:t>4W.</a:t>
             </a:r>
             <a:fld id="{4522ED1D-8D07-4791-96F6-DF6351C24384}" type="slidenum">
               <a:rPr lang="en-US" sz="1100" smtClean="0"/>
@@ -22829,7 +22819,7 @@
           <a:p>
             <a:r>
               <a:rPr lang="en-US" dirty="0" smtClean="0"/>
-              <a:t>7W.</a:t>
+              <a:t>4W.</a:t>
             </a:r>
             <a:fld id="{5090077E-33FC-4861-9AB3-E869C8DF45B1}" type="slidenum">
               <a:rPr lang="en-US" smtClean="0"/>
@@ -23338,7 +23328,7 @@
           <a:p>
             <a:r>
               <a:rPr lang="en-US" dirty="0" smtClean="0"/>
-              <a:t>7W.</a:t>
+              <a:t>4W.</a:t>
             </a:r>
             <a:fld id="{9115501F-E344-4697-9F2B-A97863F0B821}" type="slidenum">
               <a:rPr lang="en-US" smtClean="0"/>
@@ -23991,7 +23981,7 @@
           <a:p>
             <a:r>
               <a:rPr lang="en-US" dirty="0" smtClean="0"/>
-              <a:t>7W.</a:t>
+              <a:t>4W.</a:t>
             </a:r>
             <a:fld id="{47ABD2B9-D2BB-4906-B837-443FAD86ABA4}" type="slidenum">
               <a:rPr lang="en-US" smtClean="0"/>
@@ -24483,7 +24473,7 @@
           <a:p>
             <a:r>
               <a:rPr lang="en-US" dirty="0" smtClean="0"/>
-              <a:t>7W.</a:t>
+              <a:t>4W.</a:t>
             </a:r>
             <a:fld id="{33275EF6-C257-4EE8-AA1D-14D31FD0AA60}" type="slidenum">
               <a:rPr lang="en-US" smtClean="0"/>
@@ -25372,7 +25362,7 @@
           <a:p>
             <a:r>
               <a:rPr lang="en-US" dirty="0" smtClean="0"/>
-              <a:t>7W.</a:t>
+              <a:t>4W.</a:t>
             </a:r>
             <a:fld id="{467135F6-F9E3-456F-BEE9-F3AED511DFC8}" type="slidenum">
               <a:rPr lang="en-US" smtClean="0"/>
@@ -25835,7 +25825,7 @@
             </a:pPr>
             <a:r>
               <a:rPr lang="en-US" dirty="0" smtClean="0"/>
-              <a:t>7W.</a:t>
+              <a:t>4W.</a:t>
             </a:r>
             <a:fld id="{25EC4E35-45E7-4C88-B326-19D8E92DD37E}" type="slidenum">
               <a:rPr lang="en-US" smtClean="0"/>
@@ -26480,7 +26470,7 @@
             </a:pPr>
             <a:r>
               <a:rPr lang="en-US" dirty="0" smtClean="0"/>
-              <a:t>7W.</a:t>
+              <a:t>4W.</a:t>
             </a:r>
             <a:fld id="{25EC4E35-45E7-4C88-B326-19D8E92DD37E}" type="slidenum">
               <a:rPr lang="en-US" smtClean="0"/>
@@ -27200,7 +27190,7 @@
           <a:p>
             <a:r>
               <a:rPr lang="en-US" dirty="0" smtClean="0"/>
-              <a:t>7W.</a:t>
+              <a:t>4W.</a:t>
             </a:r>
             <a:fld id="{70021F31-2A9B-4256-9023-4F49A0CC1177}" type="slidenum">
               <a:rPr lang="en-US" smtClean="0"/>
@@ -27792,7 +27782,7 @@
           <a:p>
             <a:r>
               <a:rPr lang="en-US" dirty="0" smtClean="0"/>
-              <a:t>7W.</a:t>
+              <a:t>4W.</a:t>
             </a:r>
             <a:fld id="{07EB1CE8-A0AE-4CF6-8B95-C1E0756CCC63}" type="slidenum">
               <a:rPr lang="en-US" smtClean="0"/>
@@ -28078,12 +28068,12 @@
           <a:lstStyle/>
           <a:p>
             <a:r>
-              <a:rPr lang="en-US" dirty="0" err="1" smtClean="0"/>
-              <a:t>lec</a:t>
-            </a:r>
-            <a:r>
               <a:rPr lang="en-US" dirty="0" smtClean="0"/>
-              <a:t> 5M.</a:t>
+              <a:t>lec </a:t>
+            </a:r>
+            <a:r>
+              <a:rPr lang="en-US" dirty="0" smtClean="0"/>
+              <a:t>4W.</a:t>
             </a:r>
             <a:fld id="{1FF2CE9F-95BC-441B-9BF8-65FCDDEAAF9E}" type="slidenum">
               <a:rPr lang="en-US" smtClean="0"/>
@@ -28853,12 +28843,12 @@
           <a:lstStyle/>
           <a:p>
             <a:r>
-              <a:rPr lang="en-US" dirty="0" err="1" smtClean="0"/>
-              <a:t>lec</a:t>
-            </a:r>
-            <a:r>
               <a:rPr lang="en-US" dirty="0" smtClean="0"/>
-              <a:t> 5M.</a:t>
+              <a:t>lec </a:t>
+            </a:r>
+            <a:r>
+              <a:rPr lang="en-US" dirty="0" smtClean="0"/>
+              <a:t>4W.</a:t>
             </a:r>
             <a:fld id="{ACEA44F3-0AAF-46F8-BADD-99322BE333C9}" type="slidenum">
               <a:rPr lang="en-US" smtClean="0"/>
@@ -29518,12 +29508,12 @@
           <a:lstStyle/>
           <a:p>
             <a:r>
-              <a:rPr lang="en-US" sz="1100" dirty="0" err="1" smtClean="0"/>
-              <a:t>lec</a:t>
-            </a:r>
-            <a:r>
               <a:rPr lang="en-US" sz="1100" dirty="0" smtClean="0"/>
-              <a:t> 5M.</a:t>
+              <a:t>lec </a:t>
+            </a:r>
+            <a:r>
+              <a:rPr lang="en-US" sz="1100" dirty="0" smtClean="0"/>
+              <a:t>4W.</a:t>
             </a:r>
             <a:fld id="{4522ED1D-8D07-4791-96F6-DF6351C24384}" type="slidenum">
               <a:rPr lang="en-US" sz="1100" smtClean="0"/>
@@ -30777,12 +30767,12 @@
           <a:lstStyle/>
           <a:p>
             <a:r>
-              <a:rPr lang="en-US" dirty="0" err="1" smtClean="0"/>
-              <a:t>lec</a:t>
-            </a:r>
-            <a:r>
               <a:rPr lang="en-US" dirty="0" smtClean="0"/>
-              <a:t> 5M.</a:t>
+              <a:t>lec </a:t>
+            </a:r>
+            <a:r>
+              <a:rPr lang="en-US" dirty="0" smtClean="0"/>
+              <a:t>4W.</a:t>
             </a:r>
             <a:fld id="{F31D554E-2255-4599-BA72-F7A6D7F0B795}" type="slidenum">
               <a:rPr lang="en-US" smtClean="0"/>
